--- a/files/GORS Guide to booking an external course v2.0.pptx
+++ b/files/GORS Guide to booking an external course v2.0.pptx
@@ -482,7 +482,7 @@
             <a:fld id="{63D1F4A6-7DD5-42E4-9750-A8709F395147}" type="datetimeFigureOut">
               <a:rPr lang="en-GB" smtClean="0"/>
               <a:pPr algn="l"/>
-              <a:t>26/12/2020</a:t>
+              <a:t>17/08/2021</a:t>
             </a:fld>
             <a:endParaRPr lang="en-GB"/>
           </a:p>
@@ -796,7 +796,7 @@
             <a:fld id="{63D1F4A6-7DD5-42E4-9750-A8709F395147}" type="datetimeFigureOut">
               <a:rPr lang="en-GB" smtClean="0"/>
               <a:pPr algn="l"/>
-              <a:t>26/12/2020</a:t>
+              <a:t>17/08/2021</a:t>
             </a:fld>
             <a:endParaRPr lang="en-GB"/>
           </a:p>
@@ -1464,7 +1464,7 @@
             <a:fld id="{B5E69749-5551-4F5F-A3EA-C88943F21456}" type="datetimeFigureOut">
               <a:rPr lang="en-GB" smtClean="0"/>
               <a:pPr/>
-              <a:t>26/12/2020</a:t>
+              <a:t>17/08/2021</a:t>
             </a:fld>
             <a:endParaRPr lang="en-GB"/>
           </a:p>
@@ -1621,7 +1621,7 @@
             <a:fld id="{B5E69749-5551-4F5F-A3EA-C88943F21456}" type="datetimeFigureOut">
               <a:rPr lang="en-GB" smtClean="0"/>
               <a:pPr/>
-              <a:t>26/12/2020</a:t>
+              <a:t>17/08/2021</a:t>
             </a:fld>
             <a:endParaRPr lang="en-GB"/>
           </a:p>
@@ -1944,7 +1944,7 @@
             <a:fld id="{B5E69749-5551-4F5F-A3EA-C88943F21456}" type="datetimeFigureOut">
               <a:rPr lang="en-GB" smtClean="0"/>
               <a:pPr/>
-              <a:t>26/12/2020</a:t>
+              <a:t>17/08/2021</a:t>
             </a:fld>
             <a:endParaRPr lang="en-GB"/>
           </a:p>
@@ -2105,7 +2105,7 @@
             <a:fld id="{B5E69749-5551-4F5F-A3EA-C88943F21456}" type="datetimeFigureOut">
               <a:rPr lang="en-GB" smtClean="0"/>
               <a:pPr/>
-              <a:t>26/12/2020</a:t>
+              <a:t>17/08/2021</a:t>
             </a:fld>
             <a:endParaRPr lang="en-GB" dirty="0"/>
           </a:p>
@@ -2570,7 +2570,7 @@
             <a:fld id="{B5E69749-5551-4F5F-A3EA-C88943F21456}" type="datetimeFigureOut">
               <a:rPr lang="en-GB" smtClean="0"/>
               <a:pPr/>
-              <a:t>26/12/2020</a:t>
+              <a:t>17/08/2021</a:t>
             </a:fld>
             <a:endParaRPr lang="en-GB"/>
           </a:p>
@@ -2876,7 +2876,7 @@
             <a:fld id="{B5E69749-5551-4F5F-A3EA-C88943F21456}" type="datetimeFigureOut">
               <a:rPr lang="en-GB" smtClean="0"/>
               <a:pPr/>
-              <a:t>26/12/2020</a:t>
+              <a:t>17/08/2021</a:t>
             </a:fld>
             <a:endParaRPr lang="en-GB"/>
           </a:p>
@@ -3722,7 +3722,7 @@
             <a:fld id="{B5E69749-5551-4F5F-A3EA-C88943F21456}" type="datetimeFigureOut">
               <a:rPr lang="en-GB" smtClean="0"/>
               <a:pPr/>
-              <a:t>26/12/2020</a:t>
+              <a:t>17/08/2021</a:t>
             </a:fld>
             <a:endParaRPr lang="en-GB"/>
           </a:p>
@@ -4400,7 +4400,7 @@
             <a:fld id="{B5E69749-5551-4F5F-A3EA-C88943F21456}" type="datetimeFigureOut">
               <a:rPr lang="en-GB" smtClean="0"/>
               <a:pPr/>
-              <a:t>26/12/2020</a:t>
+              <a:t>17/08/2021</a:t>
             </a:fld>
             <a:endParaRPr lang="en-GB"/>
           </a:p>
@@ -4848,7 +4848,7 @@
             <a:fld id="{B5E69749-5551-4F5F-A3EA-C88943F21456}" type="datetimeFigureOut">
               <a:rPr lang="en-GB" smtClean="0"/>
               <a:pPr/>
-              <a:t>26/12/2020</a:t>
+              <a:t>17/08/2021</a:t>
             </a:fld>
             <a:endParaRPr lang="en-GB"/>
           </a:p>
@@ -5699,7 +5699,7 @@
             <a:fld id="{B5E69749-5551-4F5F-A3EA-C88943F21456}" type="datetimeFigureOut">
               <a:rPr lang="en-GB" smtClean="0"/>
               <a:pPr/>
-              <a:t>26/12/2020</a:t>
+              <a:t>17/08/2021</a:t>
             </a:fld>
             <a:endParaRPr lang="en-GB"/>
           </a:p>
@@ -5879,7 +5879,7 @@
             <a:fld id="{B5E69749-5551-4F5F-A3EA-C88943F21456}" type="datetimeFigureOut">
               <a:rPr lang="en-GB" smtClean="0"/>
               <a:pPr/>
-              <a:t>26/12/2020</a:t>
+              <a:t>17/08/2021</a:t>
             </a:fld>
             <a:endParaRPr lang="en-GB"/>
           </a:p>
@@ -6136,7 +6136,7 @@
             <a:fld id="{B5E69749-5551-4F5F-A3EA-C88943F21456}" type="datetimeFigureOut">
               <a:rPr lang="en-GB" smtClean="0"/>
               <a:pPr/>
-              <a:t>26/12/2020</a:t>
+              <a:t>17/08/2021</a:t>
             </a:fld>
             <a:endParaRPr lang="en-GB"/>
           </a:p>
@@ -7169,7 +7169,7 @@
                 <a:ea typeface="Calibri" panose="020F0502020204030204" pitchFamily="34" charset="0"/>
                 <a:cs typeface="Times New Roman" panose="02020603050405020304" pitchFamily="18" charset="0"/>
               </a:rPr>
-              <a:t>f the course is below £750, s</a:t>
+              <a:t>f the course cost is below your department’s DD approval threshold, s</a:t>
             </a:r>
             <a:r>
               <a:rPr lang="en-GB" sz="1100" dirty="0">
@@ -7186,7 +7186,7 @@
                 <a:ea typeface="Calibri" panose="020F0502020204030204" pitchFamily="34" charset="0"/>
                 <a:cs typeface="Times New Roman" panose="02020603050405020304" pitchFamily="18" charset="0"/>
               </a:rPr>
-              <a:t>to your manager for approval. For courses above this amount, send to your </a:t>
+              <a:t>to your manager for approval. For courses above this threshold, send to your </a:t>
             </a:r>
             <a:r>
               <a:rPr lang="en-GB" sz="1100" dirty="0">
@@ -7964,7 +7964,7 @@
         <p:spPr>
           <a:xfrm>
             <a:off x="684212" y="1196976"/>
-            <a:ext cx="8250643" cy="4679949"/>
+            <a:ext cx="8250643" cy="5224372"/>
           </a:xfrm>
         </p:spPr>
         <p:txBody>
@@ -7991,7 +7991,22 @@
             </a:pPr>
             <a:r>
               <a:rPr lang="en-GB" sz="1400" b="0" dirty="0"/>
-              <a:t>If the cost of your training is less than £750, then you should seek approval from your line manager. Training costs above £750 should be approved by your DD. </a:t>
+              <a:t>Each department may have differing cost thresholds for manager or DD approval, please refer to your department’s intranet page for further details on this.</a:t>
+            </a:r>
+          </a:p>
+          <a:p>
+            <a:pPr marL="0" indent="0">
+              <a:buNone/>
+            </a:pPr>
+            <a:endParaRPr lang="en-GB" sz="1400" b="0" dirty="0"/>
+          </a:p>
+          <a:p>
+            <a:pPr marL="0" indent="0">
+              <a:buNone/>
+            </a:pPr>
+            <a:r>
+              <a:rPr lang="en-GB" sz="1400" b="0" dirty="0"/>
+              <a:t>Typically if the cost of your training is less than your departmental threshold, then you should seek approval from your line manager. Training costs above your departmental threshold should be approved by your DD. </a:t>
             </a:r>
           </a:p>
           <a:p>
@@ -8401,7 +8416,7 @@
               <a:buNone/>
             </a:pPr>
             <a:r>
-              <a:rPr lang="en-GB" sz="1400" b="0" dirty="0"/>
+              <a:rPr lang="en-GB" sz="1800" b="0" dirty="0"/>
               <a:t>You should make every effort to attend the course you have booked, as you may incur a cancellation charge if you cancel at short notice. </a:t>
             </a:r>
           </a:p>
@@ -8409,14 +8424,14 @@
             <a:pPr marL="0" indent="0">
               <a:buNone/>
             </a:pPr>
-            <a:endParaRPr lang="en-GB" sz="1400" b="0" dirty="0"/>
+            <a:endParaRPr lang="en-GB" sz="1800" b="0" dirty="0"/>
           </a:p>
           <a:p>
             <a:pPr marL="0" indent="0">
               <a:buNone/>
             </a:pPr>
             <a:r>
-              <a:rPr lang="en-GB" sz="1400" b="0" dirty="0"/>
+              <a:rPr lang="en-GB" sz="1800" b="0" dirty="0"/>
               <a:t>Please check the cancellation policy before booking a course to understand any costs associated with and the procedure for cancelling a course. </a:t>
             </a:r>
           </a:p>
@@ -8424,52 +8439,22 @@
             <a:pPr marL="0" indent="0">
               <a:buNone/>
             </a:pPr>
-            <a:endParaRPr lang="en-GB" sz="1400" b="0" dirty="0"/>
+            <a:endParaRPr lang="en-GB" sz="1800" b="0" dirty="0"/>
           </a:p>
           <a:p>
             <a:pPr marL="0" indent="0">
               <a:buNone/>
             </a:pPr>
             <a:r>
-              <a:rPr lang="en-GB" sz="1400" b="0" dirty="0"/>
-              <a:t>The standard cancellation policy on Civil Service Learning is:</a:t>
-            </a:r>
-          </a:p>
-          <a:p>
-            <a:r>
-              <a:rPr lang="en-GB" sz="1400" b="0" dirty="0"/>
-              <a:t>22 days or more before the commencement of a topic – no charge</a:t>
-            </a:r>
-          </a:p>
-          <a:p>
-            <a:r>
-              <a:rPr lang="en-GB" sz="1400" b="0" dirty="0"/>
-              <a:t>14 to 21 days before the commencement of a topic – you will be charged 30% of the total topic cost</a:t>
-            </a:r>
-          </a:p>
-          <a:p>
-            <a:r>
-              <a:rPr lang="en-GB" sz="1400" b="0" dirty="0"/>
-              <a:t>less than 14 days before the commencement of a  topic – you will be charged 100% of the of the total topic cost</a:t>
-            </a:r>
-          </a:p>
-          <a:p>
-            <a:endParaRPr lang="en-GB" sz="1400" b="0" dirty="0"/>
+              <a:rPr lang="en-GB" sz="1800" b="0" dirty="0"/>
+              <a:t>To avoid cancellation charges, some providers will allow a colleague to attend in your place. So if you do have to cancel, please speak to the provider to confirm this and consider whether a colleague could take up this L&amp;D opportunity instead.</a:t>
+            </a:r>
           </a:p>
           <a:p>
             <a:pPr marL="0" indent="0">
               <a:buNone/>
             </a:pPr>
-            <a:r>
-              <a:rPr lang="en-GB" sz="1400" b="0" dirty="0"/>
-              <a:t>To avoid cancellation charges, some providers will allow a colleague to attend in your place. So if you do have to cancel, please speak to the provider to confirm this and consider whether a colleague could  take up this L&amp;D opportunity instead.</a:t>
-            </a:r>
-          </a:p>
-          <a:p>
-            <a:pPr marL="0" indent="0">
-              <a:buNone/>
-            </a:pPr>
-            <a:endParaRPr lang="en-GB" sz="1400" dirty="0"/>
+            <a:endParaRPr lang="en-GB" sz="1800" dirty="0"/>
           </a:p>
         </p:txBody>
       </p:sp>
@@ -8550,59 +8535,38 @@
               <a:buNone/>
             </a:pPr>
             <a:r>
-              <a:rPr lang="en-GB" sz="1400" b="0" dirty="0"/>
-              <a:t>Some department have central HR Learning and Development teams that offer internal centrally funded learning opportunities to staff across the department. For example, the Future, Engage, Deliver events. There is usually a high demand for these places.  </a:t>
+              <a:rPr lang="en-GB" sz="1800" b="0" dirty="0"/>
+              <a:t>Some department have central HR Learning and Development teams that offer internal centrally funded learning opportunities to staff across the department. There is usually a high demand for these places.  </a:t>
             </a:r>
           </a:p>
           <a:p>
             <a:pPr marL="0" indent="0">
               <a:buNone/>
             </a:pPr>
-            <a:endParaRPr lang="en-GB" sz="1400" b="0" dirty="0"/>
+            <a:endParaRPr lang="en-GB" sz="1800" b="0" dirty="0"/>
           </a:p>
           <a:p>
             <a:pPr marL="0" indent="0">
               <a:buNone/>
             </a:pPr>
             <a:r>
-              <a:rPr lang="en-GB" sz="1400" b="0" dirty="0"/>
-              <a:t>Unfortunately “no shows” or “drop outs” last minute cost the department money. Therefore, HR have made the decision to charge directorates for any missed training sessions on quarterly basis, so if you book onto these it is essential that you make every effort to attend. If you can’t please try and find someone to attend in your place. </a:t>
+              <a:rPr lang="en-GB" sz="1800" b="0" dirty="0"/>
+              <a:t>Unfortunately “no shows” or “drop outs” last minute cost your department money. Therefore, your HR team may charge directorates for any missed training sessions, so if you book onto these it is essential that you make every effort to attend. If you can’t please try and find someone to attend in your place.</a:t>
             </a:r>
           </a:p>
           <a:p>
             <a:pPr marL="0" indent="0">
               <a:buNone/>
             </a:pPr>
-            <a:r>
-              <a:rPr lang="en-GB" sz="1400" b="0" dirty="0"/>
-              <a:t> </a:t>
-            </a:r>
+            <a:endParaRPr lang="en-GB" sz="1800" b="0" dirty="0"/>
           </a:p>
           <a:p>
             <a:pPr marL="0" indent="0">
               <a:buNone/>
             </a:pPr>
             <a:r>
-              <a:rPr lang="en-GB" sz="1400" b="0" dirty="0"/>
-              <a:t>Those who notify HR prior to the event and their place can be reallocated won’t be charged. ‘No shows’ and those who notify HR but their place on the session cannot be reallocated will be charged. Costs vary upon the learning in question.</a:t>
-            </a:r>
-          </a:p>
-          <a:p>
-            <a:pPr marL="0" indent="0">
-              <a:buNone/>
-            </a:pPr>
-            <a:r>
-              <a:rPr lang="en-GB" sz="1400" b="0" dirty="0"/>
-              <a:t> </a:t>
-            </a:r>
-          </a:p>
-          <a:p>
-            <a:pPr marL="0" indent="0">
-              <a:buNone/>
-            </a:pPr>
-            <a:r>
-              <a:rPr lang="en-GB" sz="1400" b="0" dirty="0"/>
-              <a:t>However, if sessions are missed due to family emergencies, bad weather etc. they will not be charged. </a:t>
+              <a:rPr lang="en-GB" sz="1800" b="0" dirty="0"/>
+              <a:t>Please refer to the department’s L&amp;D cancellation policy to understand any costs associated with “no shows” or “drop outs”. There may be some leeway for extenuating circumstances.</a:t>
             </a:r>
           </a:p>
         </p:txBody>
@@ -9416,6 +9380,15 @@
 </file>
 
 <file path=customXml/item1.xml><?xml version="1.0" encoding="utf-8"?>
+<?mso-contentType ?>
+<FormTemplates xmlns="http://schemas.microsoft.com/sharepoint/v3/contenttype/forms">
+  <Display>DocumentLibraryForm</Display>
+  <Edit>DocumentLibraryForm</Edit>
+  <New>DocumentLibraryForm</New>
+</FormTemplates>
+</file>
+
+<file path=customXml/item2.xml><?xml version="1.0" encoding="utf-8"?>
 <ct:contentTypeSchema xmlns:ct="http://schemas.microsoft.com/office/2006/metadata/contentType" xmlns:ma="http://schemas.microsoft.com/office/2006/metadata/properties/metaAttributes" ct:_="" ma:_="" ma:contentTypeName="Document" ma:contentTypeID="0x01010075C6AE92735478438811BCC21DE5CD44" ma:contentTypeVersion="9" ma:contentTypeDescription="Create a new document." ma:contentTypeScope="" ma:versionID="4464b342bc0c6674cd8437f4b7d40594">
   <xsd:schema xmlns:xsd="http://www.w3.org/2001/XMLSchema" xmlns:xs="http://www.w3.org/2001/XMLSchema" xmlns:p="http://schemas.microsoft.com/office/2006/metadata/properties" xmlns:ns3="734a1c6a-53c2-48e7-a1cc-2e27d2845d4e" targetNamespace="http://schemas.microsoft.com/office/2006/metadata/properties" ma:root="true" ma:fieldsID="14a22371e8bbbad000e662b0b228342a" ns3:_="">
     <xsd:import namespace="734a1c6a-53c2-48e7-a1cc-2e27d2845d4e"/>
@@ -9593,15 +9566,6 @@
 </ct:contentTypeSchema>
 </file>
 
-<file path=customXml/item2.xml><?xml version="1.0" encoding="utf-8"?>
-<?mso-contentType ?>
-<FormTemplates xmlns="http://schemas.microsoft.com/sharepoint/v3/contenttype/forms">
-  <Display>DocumentLibraryForm</Display>
-  <Edit>DocumentLibraryForm</Edit>
-  <New>DocumentLibraryForm</New>
-</FormTemplates>
-</file>
-
 <file path=customXml/item3.xml><?xml version="1.0" encoding="utf-8"?>
 <p:properties xmlns:p="http://schemas.microsoft.com/office/2006/metadata/properties" xmlns:xsi="http://www.w3.org/2001/XMLSchema-instance" xmlns:pc="http://schemas.microsoft.com/office/infopath/2007/PartnerControls">
   <documentManagement/>
@@ -9609,6 +9573,14 @@
 </file>
 
 <file path=customXml/itemProps1.xml><?xml version="1.0" encoding="utf-8"?>
+<ds:datastoreItem xmlns:ds="http://schemas.openxmlformats.org/officeDocument/2006/customXml" ds:itemID="{718918D8-6743-472F-9133-546308218B28}">
+  <ds:schemaRefs>
+    <ds:schemaRef ds:uri="http://schemas.microsoft.com/sharepoint/v3/contenttype/forms"/>
+  </ds:schemaRefs>
+</ds:datastoreItem>
+</file>
+
+<file path=customXml/itemProps2.xml><?xml version="1.0" encoding="utf-8"?>
 <ds:datastoreItem xmlns:ds="http://schemas.openxmlformats.org/officeDocument/2006/customXml" ds:itemID="{D02B9EAD-A944-4E5C-83A5-95E3679ECDF3}">
   <ds:schemaRefs>
     <ds:schemaRef ds:uri="http://schemas.microsoft.com/office/2006/metadata/contentType"/>
@@ -9622,14 +9594,6 @@
     <ds:schemaRef ds:uri="http://purl.org/dc/elements/1.1/"/>
     <ds:schemaRef ds:uri="http://purl.org/dc/terms/"/>
     <ds:schemaRef ds:uri="http://schemas.microsoft.com/internal/obd"/>
-  </ds:schemaRefs>
-</ds:datastoreItem>
-</file>
-
-<file path=customXml/itemProps2.xml><?xml version="1.0" encoding="utf-8"?>
-<ds:datastoreItem xmlns:ds="http://schemas.openxmlformats.org/officeDocument/2006/customXml" ds:itemID="{718918D8-6743-472F-9133-546308218B28}">
-  <ds:schemaRefs>
-    <ds:schemaRef ds:uri="http://schemas.microsoft.com/sharepoint/v3/contenttype/forms"/>
   </ds:schemaRefs>
 </ds:datastoreItem>
 </file>
